--- a/Final-InitialPresentation.pptx
+++ b/Final-InitialPresentation.pptx
@@ -6701,11 +6701,11 @@
   <p:clrMapOvr>
     <a:masterClrMapping/>
   </p:clrMapOvr>
-  <mc:AlternateContent xmlns:mc="http://schemas.openxmlformats.org/markup-compatibility/2006">
-    <mc:Choice xmlns:p14="http://schemas.microsoft.com/office/powerpoint/2010/main" Requires="p14">
+  <mc:AlternateContent xmlns:mc="http://schemas.openxmlformats.org/markup-compatibility/2006" xmlns:p14="http://schemas.microsoft.com/office/powerpoint/2010/main">
+    <mc:Choice Requires="p14">
       <p:transition spd="slow" p14:dur="2000"/>
     </mc:Choice>
-    <mc:Fallback>
+    <mc:Fallback xmlns="">
       <p:transition spd="slow"/>
     </mc:Fallback>
   </mc:AlternateContent>
@@ -6978,7 +6978,7 @@
         <p:spPr/>
         <p:txBody>
           <a:bodyPr>
-            <a:normAutofit fontScale="92500" lnSpcReduction="20000"/>
+            <a:normAutofit fontScale="92500" lnSpcReduction="10000"/>
           </a:bodyPr>
           <a:lstStyle/>
           <a:p>
@@ -6995,31 +6995,52 @@
                 <a:latin typeface="Times New Roman" panose="02020603050405020304" pitchFamily="18" charset="0"/>
                 <a:cs typeface="Times New Roman" panose="02020603050405020304" pitchFamily="18" charset="0"/>
               </a:rPr>
-              <a:t>a user, I need to be able to post a ride with details including time, date, origin, destination, and whether I’m a driver or a rider (Ideal Hours: 33</a:t>
+              <a:t>a user, I need to be able to </a:t>
             </a:r>
             <a:r>
               <a:rPr lang="en-US" sz="2600" dirty="0" smtClean="0">
                 <a:latin typeface="Times New Roman" panose="02020603050405020304" pitchFamily="18" charset="0"/>
                 <a:cs typeface="Times New Roman" panose="02020603050405020304" pitchFamily="18" charset="0"/>
               </a:rPr>
-              <a:t>)</a:t>
-            </a:r>
-          </a:p>
-          <a:p>
-            <a:pPr lvl="1"/>
+              <a:t>post details about a ride depending on whether I am </a:t>
+            </a:r>
+            <a:r>
+              <a:rPr lang="en-US" sz="2600" dirty="0">
+                <a:latin typeface="Times New Roman" panose="02020603050405020304" pitchFamily="18" charset="0"/>
+                <a:cs typeface="Times New Roman" panose="02020603050405020304" pitchFamily="18" charset="0"/>
+              </a:rPr>
+              <a:t>a driver or a rider (Ideal Hours: 33</a:t>
+            </a:r>
             <a:r>
               <a:rPr lang="en-US" sz="2600" dirty="0" smtClean="0">
                 <a:latin typeface="Times New Roman" panose="02020603050405020304" pitchFamily="18" charset="0"/>
                 <a:cs typeface="Times New Roman" panose="02020603050405020304" pitchFamily="18" charset="0"/>
               </a:rPr>
+              <a:t>)</a:t>
+            </a:r>
+          </a:p>
+          <a:p>
+            <a:pPr lvl="1"/>
+            <a:r>
+              <a:rPr lang="en-US" sz="2600" dirty="0" smtClean="0">
+                <a:latin typeface="Times New Roman" panose="02020603050405020304" pitchFamily="18" charset="0"/>
+                <a:cs typeface="Times New Roman" panose="02020603050405020304" pitchFamily="18" charset="0"/>
+              </a:rPr>
               <a:t> </a:t>
+            </a:r>
+            <a:r>
+              <a:rPr lang="en-US" sz="2600" dirty="0" smtClean="0">
+                <a:latin typeface="Times New Roman" panose="02020603050405020304" pitchFamily="18" charset="0"/>
+                <a:cs typeface="Times New Roman" panose="02020603050405020304" pitchFamily="18" charset="0"/>
+              </a:rPr>
+              <a:t>To be </a:t>
             </a:r>
             <a:r>
               <a:rPr lang="en-US" sz="2600" dirty="0">
                 <a:latin typeface="Times New Roman" panose="02020603050405020304" pitchFamily="18" charset="0"/>
                 <a:cs typeface="Times New Roman" panose="02020603050405020304" pitchFamily="18" charset="0"/>
               </a:rPr>
-              <a:t>Be able to post </a:t>
+              <a:t>able to post </a:t>
             </a:r>
             <a:r>
               <a:rPr lang="en-US" sz="2600" dirty="0" smtClean="0">
@@ -7029,11 +7050,11 @@
               <a:t>for </a:t>
             </a:r>
             <a:r>
-              <a:rPr lang="en-US" sz="2600" dirty="0">
+              <a:rPr lang="en-US" sz="2600" dirty="0" smtClean="0">
                 <a:latin typeface="Times New Roman" panose="02020603050405020304" pitchFamily="18" charset="0"/>
                 <a:cs typeface="Times New Roman" panose="02020603050405020304" pitchFamily="18" charset="0"/>
               </a:rPr>
-              <a:t>rides using certain </a:t>
+              <a:t>a ride with certain </a:t>
             </a:r>
             <a:r>
               <a:rPr lang="en-US" sz="2600" dirty="0" smtClean="0">
@@ -7463,7 +7484,21 @@
                 <a:latin typeface="Times New Roman" panose="02020603050405020304" pitchFamily="18" charset="0"/>
                 <a:cs typeface="Times New Roman" panose="02020603050405020304" pitchFamily="18" charset="0"/>
               </a:rPr>
-              <a:t>As a user, I need to have a visually pleasing website so that I have a more enjoyable experience  (Ideal Hours: 12</a:t>
+              <a:t>As a user, I need to have a visually pleasing website so that I </a:t>
+            </a:r>
+            <a:r>
+              <a:rPr lang="en-US" sz="2400" dirty="0" smtClean="0">
+                <a:latin typeface="Times New Roman" panose="02020603050405020304" pitchFamily="18" charset="0"/>
+                <a:cs typeface="Times New Roman" panose="02020603050405020304" pitchFamily="18" charset="0"/>
+              </a:rPr>
+              <a:t>can have </a:t>
+            </a:r>
+            <a:r>
+              <a:rPr lang="en-US" sz="2400" dirty="0">
+                <a:latin typeface="Times New Roman" panose="02020603050405020304" pitchFamily="18" charset="0"/>
+                <a:cs typeface="Times New Roman" panose="02020603050405020304" pitchFamily="18" charset="0"/>
+              </a:rPr>
+              <a:t>a more enjoyable experience  (Ideal Hours: 12</a:t>
             </a:r>
             <a:r>
               <a:rPr lang="en-US" sz="2400" dirty="0" smtClean="0">

--- a/Final-InitialPresentation.pptx
+++ b/Final-InitialPresentation.pptx
@@ -5,7 +5,7 @@
     <p:sldMasterId id="2147483677" r:id="rId1"/>
   </p:sldMasterIdLst>
   <p:notesMasterIdLst>
-    <p:notesMasterId r:id="rId7"/>
+    <p:notesMasterId r:id="rId8"/>
   </p:notesMasterIdLst>
   <p:sldIdLst>
     <p:sldId id="256" r:id="rId2"/>
@@ -13,6 +13,7 @@
     <p:sldId id="258" r:id="rId4"/>
     <p:sldId id="259" r:id="rId5"/>
     <p:sldId id="260" r:id="rId6"/>
+    <p:sldId id="261" r:id="rId7"/>
   </p:sldIdLst>
   <p:sldSz cx="9144000" cy="6858000" type="screen4x3"/>
   <p:notesSz cx="6858000" cy="9144000"/>
@@ -92,7 +93,7 @@
   </p:defaultTextStyle>
   <p:extLst>
     <p:ext uri="{EFAFB233-063F-42B5-8137-9DF3F51BA10A}">
-      <p15:sldGuideLst xmlns:p15="http://schemas.microsoft.com/office/powerpoint/2012/main">
+      <p15:sldGuideLst xmlns:p15="http://schemas.microsoft.com/office/powerpoint/2012/main" xmlns="">
         <p15:guide id="1" orient="horz" pos="2160">
           <p15:clr>
             <a:srgbClr val="A4A3A4"/>
@@ -1097,7 +1098,7 @@
             <a:fld id="{B61BEF0D-F0BB-DE4B-95CE-6DB70DBA9567}" type="datetimeFigureOut">
               <a:rPr lang="en-US" smtClean="0"/>
               <a:pPr/>
-              <a:t>10/3/2015</a:t>
+              <a:t>10/5/15</a:t>
             </a:fld>
             <a:endParaRPr lang="en-US" dirty="0"/>
           </a:p>
@@ -1351,7 +1352,7 @@
             <a:fld id="{B61BEF0D-F0BB-DE4B-95CE-6DB70DBA9567}" type="datetimeFigureOut">
               <a:rPr lang="en-US" smtClean="0"/>
               <a:pPr/>
-              <a:t>10/3/2015</a:t>
+              <a:t>10/5/15</a:t>
             </a:fld>
             <a:endParaRPr lang="en-US" dirty="0"/>
           </a:p>
@@ -1668,7 +1669,7 @@
             <a:fld id="{B61BEF0D-F0BB-DE4B-95CE-6DB70DBA9567}" type="datetimeFigureOut">
               <a:rPr lang="en-US" smtClean="0"/>
               <a:pPr/>
-              <a:t>10/3/2015</a:t>
+              <a:t>10/5/15</a:t>
             </a:fld>
             <a:endParaRPr lang="en-US" dirty="0"/>
           </a:p>
@@ -1998,7 +1999,7 @@
             <a:fld id="{B61BEF0D-F0BB-DE4B-95CE-6DB70DBA9567}" type="datetimeFigureOut">
               <a:rPr lang="en-US" smtClean="0"/>
               <a:pPr/>
-              <a:t>10/3/2015</a:t>
+              <a:t>10/5/15</a:t>
             </a:fld>
             <a:endParaRPr lang="en-US" dirty="0"/>
           </a:p>
@@ -2315,7 +2316,7 @@
             <a:fld id="{B61BEF0D-F0BB-DE4B-95CE-6DB70DBA9567}" type="datetimeFigureOut">
               <a:rPr lang="en-US" smtClean="0"/>
               <a:pPr/>
-              <a:t>10/3/2015</a:t>
+              <a:t>10/5/15</a:t>
             </a:fld>
             <a:endParaRPr lang="en-US" dirty="0"/>
           </a:p>
@@ -2705,7 +2706,7 @@
             <a:fld id="{B61BEF0D-F0BB-DE4B-95CE-6DB70DBA9567}" type="datetimeFigureOut">
               <a:rPr lang="en-US" smtClean="0"/>
               <a:pPr/>
-              <a:t>10/3/2015</a:t>
+              <a:t>10/5/15</a:t>
             </a:fld>
             <a:endParaRPr lang="en-US" dirty="0"/>
           </a:p>
@@ -2877,7 +2878,7 @@
           <a:p>
             <a:fld id="{70DDF080-5E8C-48AD-84E5-6C08B304C14E}" type="datetimeFigureOut">
               <a:rPr lang="en-US" smtClean="0"/>
-              <a:t>10/3/2015</a:t>
+              <a:t>10/5/15</a:t>
             </a:fld>
             <a:endParaRPr lang="en-US" dirty="0"/>
           </a:p>
@@ -3060,7 +3061,7 @@
             <a:fld id="{B61BEF0D-F0BB-DE4B-95CE-6DB70DBA9567}" type="datetimeFigureOut">
               <a:rPr lang="en-US" smtClean="0"/>
               <a:pPr/>
-              <a:t>10/3/2015</a:t>
+              <a:t>10/5/15</a:t>
             </a:fld>
             <a:endParaRPr lang="en-US" dirty="0"/>
           </a:p>
@@ -3238,7 +3239,7 @@
           <a:p>
             <a:fld id="{70DDF080-5E8C-48AD-84E5-6C08B304C14E}" type="datetimeFigureOut">
               <a:rPr lang="en-US" smtClean="0"/>
-              <a:t>10/3/2015</a:t>
+              <a:t>10/5/15</a:t>
             </a:fld>
             <a:endParaRPr lang="en-US" dirty="0"/>
           </a:p>
@@ -3485,7 +3486,7 @@
             <a:fld id="{B61BEF0D-F0BB-DE4B-95CE-6DB70DBA9567}" type="datetimeFigureOut">
               <a:rPr lang="en-US" smtClean="0"/>
               <a:pPr/>
-              <a:t>10/3/2015</a:t>
+              <a:t>10/5/15</a:t>
             </a:fld>
             <a:endParaRPr lang="en-US" dirty="0"/>
           </a:p>
@@ -3785,7 +3786,7 @@
             <a:fld id="{B61BEF0D-F0BB-DE4B-95CE-6DB70DBA9567}" type="datetimeFigureOut">
               <a:rPr lang="en-US" smtClean="0"/>
               <a:pPr/>
-              <a:t>10/3/2015</a:t>
+              <a:t>10/5/15</a:t>
             </a:fld>
             <a:endParaRPr lang="en-US" dirty="0"/>
           </a:p>
@@ -4167,7 +4168,7 @@
             <a:fld id="{B61BEF0D-F0BB-DE4B-95CE-6DB70DBA9567}" type="datetimeFigureOut">
               <a:rPr lang="en-US" smtClean="0"/>
               <a:pPr/>
-              <a:t>10/3/2015</a:t>
+              <a:t>10/5/15</a:t>
             </a:fld>
             <a:endParaRPr lang="en-US" dirty="0"/>
           </a:p>
@@ -4293,7 +4294,7 @@
             <a:fld id="{B61BEF0D-F0BB-DE4B-95CE-6DB70DBA9567}" type="datetimeFigureOut">
               <a:rPr lang="en-US" smtClean="0"/>
               <a:pPr/>
-              <a:t>10/3/2015</a:t>
+              <a:t>10/5/15</a:t>
             </a:fld>
             <a:endParaRPr lang="en-US" dirty="0"/>
           </a:p>
@@ -4391,7 +4392,7 @@
             <a:fld id="{B61BEF0D-F0BB-DE4B-95CE-6DB70DBA9567}" type="datetimeFigureOut">
               <a:rPr lang="en-US" smtClean="0"/>
               <a:pPr/>
-              <a:t>10/3/2015</a:t>
+              <a:t>10/5/15</a:t>
             </a:fld>
             <a:endParaRPr lang="en-US" dirty="0"/>
           </a:p>
@@ -4648,7 +4649,7 @@
           <a:p>
             <a:fld id="{70DDF080-5E8C-48AD-84E5-6C08B304C14E}" type="datetimeFigureOut">
               <a:rPr lang="en-US" smtClean="0"/>
-              <a:t>10/3/2015</a:t>
+              <a:t>10/5/15</a:t>
             </a:fld>
             <a:endParaRPr lang="en-US" dirty="0"/>
           </a:p>
@@ -4914,7 +4915,7 @@
             <a:fld id="{B61BEF0D-F0BB-DE4B-95CE-6DB70DBA9567}" type="datetimeFigureOut">
               <a:rPr lang="en-US" smtClean="0"/>
               <a:pPr/>
-              <a:t>10/3/2015</a:t>
+              <a:t>10/5/15</a:t>
             </a:fld>
             <a:endParaRPr lang="en-US" dirty="0"/>
           </a:p>
@@ -5733,7 +5734,7 @@
             <a:fld id="{B61BEF0D-F0BB-DE4B-95CE-6DB70DBA9567}" type="datetimeFigureOut">
               <a:rPr lang="en-US" smtClean="0"/>
               <a:pPr/>
-              <a:t>10/3/2015</a:t>
+              <a:t>10/5/15</a:t>
             </a:fld>
             <a:endParaRPr lang="en-US" dirty="0"/>
           </a:p>
@@ -6712,7 +6713,7 @@
   <p:timing>
     <p:tnLst>
       <p:par>
-        <p:cTn id="1" dur="indefinite" restart="never" nodeType="tmRoot"/>
+        <p:cTn xmlns:p14="http://schemas.microsoft.com/office/powerpoint/2010/main" id="1" dur="indefinite" restart="never" nodeType="tmRoot"/>
       </p:par>
     </p:tnLst>
   </p:timing>
@@ -6850,7 +6851,7 @@
   <p:timing>
     <p:tnLst>
       <p:par>
-        <p:cTn id="1" dur="indefinite" restart="never" nodeType="tmRoot"/>
+        <p:cTn xmlns:p14="http://schemas.microsoft.com/office/powerpoint/2010/main" id="1" dur="indefinite" restart="never" nodeType="tmRoot"/>
       </p:par>
     </p:tnLst>
   </p:timing>
@@ -7002,38 +7003,63 @@
                 <a:latin typeface="Times New Roman" panose="02020603050405020304" pitchFamily="18" charset="0"/>
                 <a:cs typeface="Times New Roman" panose="02020603050405020304" pitchFamily="18" charset="0"/>
               </a:rPr>
-              <a:t>post details about a ride depending on whether I am </a:t>
+              <a:t>post details about a ride </a:t>
+            </a:r>
+            <a:r>
+              <a:rPr lang="en-US" sz="2600" dirty="0" smtClean="0">
+                <a:latin typeface="Times New Roman" panose="02020603050405020304" pitchFamily="18" charset="0"/>
+                <a:cs typeface="Times New Roman" panose="02020603050405020304" pitchFamily="18" charset="0"/>
+              </a:rPr>
+              <a:t>so I can get from place to place (</a:t>
             </a:r>
             <a:r>
               <a:rPr lang="en-US" sz="2600" dirty="0">
                 <a:latin typeface="Times New Roman" panose="02020603050405020304" pitchFamily="18" charset="0"/>
                 <a:cs typeface="Times New Roman" panose="02020603050405020304" pitchFamily="18" charset="0"/>
               </a:rPr>
-              <a:t>a driver or a rider (Ideal Hours: 33</a:t>
+              <a:t>Ideal Hours: </a:t>
             </a:r>
             <a:r>
               <a:rPr lang="en-US" sz="2600" dirty="0" smtClean="0">
                 <a:latin typeface="Times New Roman" panose="02020603050405020304" pitchFamily="18" charset="0"/>
                 <a:cs typeface="Times New Roman" panose="02020603050405020304" pitchFamily="18" charset="0"/>
               </a:rPr>
-              <a:t>)</a:t>
-            </a:r>
-          </a:p>
-          <a:p>
-            <a:pPr lvl="1"/>
+              <a:t>25+</a:t>
+            </a:r>
             <a:r>
               <a:rPr lang="en-US" sz="2600" dirty="0" smtClean="0">
                 <a:latin typeface="Times New Roman" panose="02020603050405020304" pitchFamily="18" charset="0"/>
                 <a:cs typeface="Times New Roman" panose="02020603050405020304" pitchFamily="18" charset="0"/>
               </a:rPr>
-              <a:t> </a:t>
-            </a:r>
+              <a:t>)</a:t>
+            </a:r>
+            <a:endParaRPr lang="en-US" sz="2600" dirty="0" smtClean="0">
+              <a:latin typeface="Times New Roman" panose="02020603050405020304" pitchFamily="18" charset="0"/>
+              <a:cs typeface="Times New Roman" panose="02020603050405020304" pitchFamily="18" charset="0"/>
+            </a:endParaRPr>
+          </a:p>
+          <a:p>
+            <a:pPr lvl="1"/>
             <a:r>
               <a:rPr lang="en-US" sz="2600" dirty="0" smtClean="0">
                 <a:latin typeface="Times New Roman" panose="02020603050405020304" pitchFamily="18" charset="0"/>
                 <a:cs typeface="Times New Roman" panose="02020603050405020304" pitchFamily="18" charset="0"/>
               </a:rPr>
-              <a:t>To be </a:t>
+              <a:t> </a:t>
+            </a:r>
+            <a:r>
+              <a:rPr lang="en-US" sz="2600" dirty="0" smtClean="0">
+                <a:latin typeface="Times New Roman" panose="02020603050405020304" pitchFamily="18" charset="0"/>
+                <a:cs typeface="Times New Roman" panose="02020603050405020304" pitchFamily="18" charset="0"/>
+              </a:rPr>
+              <a:t>To </a:t>
+            </a:r>
+            <a:r>
+              <a:rPr lang="en-US" sz="2600" dirty="0" smtClean="0">
+                <a:latin typeface="Times New Roman" panose="02020603050405020304" pitchFamily="18" charset="0"/>
+                <a:cs typeface="Times New Roman" panose="02020603050405020304" pitchFamily="18" charset="0"/>
+              </a:rPr>
+              <a:t>be </a:t>
             </a:r>
             <a:r>
               <a:rPr lang="en-US" sz="2600" dirty="0">
@@ -7047,21 +7073,7 @@
                 <a:latin typeface="Times New Roman" panose="02020603050405020304" pitchFamily="18" charset="0"/>
                 <a:cs typeface="Times New Roman" panose="02020603050405020304" pitchFamily="18" charset="0"/>
               </a:rPr>
-              <a:t>for </a:t>
-            </a:r>
-            <a:r>
-              <a:rPr lang="en-US" sz="2600" dirty="0" smtClean="0">
-                <a:latin typeface="Times New Roman" panose="02020603050405020304" pitchFamily="18" charset="0"/>
-                <a:cs typeface="Times New Roman" panose="02020603050405020304" pitchFamily="18" charset="0"/>
-              </a:rPr>
-              <a:t>a ride with certain </a:t>
-            </a:r>
-            <a:r>
-              <a:rPr lang="en-US" sz="2600" dirty="0" smtClean="0">
-                <a:latin typeface="Times New Roman" panose="02020603050405020304" pitchFamily="18" charset="0"/>
-                <a:cs typeface="Times New Roman" panose="02020603050405020304" pitchFamily="18" charset="0"/>
-              </a:rPr>
-              <a:t>parameters</a:t>
+              <a:t>for a ride with certain parameters</a:t>
             </a:r>
             <a:endParaRPr lang="en-US" sz="2600" dirty="0">
               <a:latin typeface="Times New Roman" panose="02020603050405020304" pitchFamily="18" charset="0"/>
@@ -7070,11 +7082,18 @@
           </a:p>
           <a:p>
             <a:r>
+              <a:rPr lang="en-US" sz="2600" dirty="0" smtClean="0">
+                <a:latin typeface="Times New Roman" panose="02020603050405020304" pitchFamily="18" charset="0"/>
+                <a:cs typeface="Times New Roman" panose="02020603050405020304" pitchFamily="18" charset="0"/>
+              </a:rPr>
+              <a:t>As </a:t>
+            </a:r>
+            <a:r>
               <a:rPr lang="en-US" sz="2600" dirty="0">
                 <a:latin typeface="Times New Roman" panose="02020603050405020304" pitchFamily="18" charset="0"/>
                 <a:cs typeface="Times New Roman" panose="02020603050405020304" pitchFamily="18" charset="0"/>
               </a:rPr>
-              <a:t>As a user, I need to be able to search for a ride based on time, date, origin, destination, and whether I’m a driver or a rider  (Ideal Hours: 8</a:t>
+              <a:t>a user, I need to be able to search for a ride based on time, date, origin, destination, and whether I’m a driver or a rider  (Ideal Hours: 8</a:t>
             </a:r>
             <a:r>
               <a:rPr lang="en-US" sz="2600" dirty="0" smtClean="0">
@@ -7087,11 +7106,18 @@
           <a:p>
             <a:pPr lvl="1"/>
             <a:r>
+              <a:rPr lang="en-US" sz="2600" dirty="0" smtClean="0">
+                <a:latin typeface="Times New Roman" panose="02020603050405020304" pitchFamily="18" charset="0"/>
+                <a:cs typeface="Times New Roman" panose="02020603050405020304" pitchFamily="18" charset="0"/>
+              </a:rPr>
+              <a:t>Be </a:t>
+            </a:r>
+            <a:r>
               <a:rPr lang="en-US" sz="2600" dirty="0">
                 <a:latin typeface="Times New Roman" panose="02020603050405020304" pitchFamily="18" charset="0"/>
                 <a:cs typeface="Times New Roman" panose="02020603050405020304" pitchFamily="18" charset="0"/>
               </a:rPr>
-              <a:t>Be able to </a:t>
+              <a:t>able to </a:t>
             </a:r>
             <a:r>
               <a:rPr lang="en-US" sz="2600" dirty="0" smtClean="0">
@@ -7130,7 +7156,7 @@
   <p:timing>
     <p:tnLst>
       <p:par>
-        <p:cTn id="1" dur="indefinite" restart="never" nodeType="tmRoot"/>
+        <p:cTn xmlns:p14="http://schemas.microsoft.com/office/powerpoint/2010/main" id="1" dur="indefinite" restart="never" nodeType="tmRoot"/>
       </p:par>
     </p:tnLst>
   </p:timing>
@@ -7319,7 +7345,7 @@
   <p:timing>
     <p:tnLst>
       <p:par>
-        <p:cTn id="1" dur="indefinite" restart="never" nodeType="tmRoot"/>
+        <p:cTn xmlns:p14="http://schemas.microsoft.com/office/powerpoint/2010/main" id="1" dur="indefinite" restart="never" nodeType="tmRoot"/>
       </p:par>
     </p:tnLst>
   </p:timing>
@@ -7537,7 +7563,88 @@
   <p:timing>
     <p:tnLst>
       <p:par>
-        <p:cTn id="1" dur="indefinite" restart="never" nodeType="tmRoot"/>
+        <p:cTn xmlns:p14="http://schemas.microsoft.com/office/powerpoint/2010/main" id="1" dur="indefinite" restart="never" nodeType="tmRoot"/>
+      </p:par>
+    </p:tnLst>
+  </p:timing>
+</p:sld>
+</file>
+
+<file path=ppt/slides/slide6.xml><?xml version="1.0" encoding="utf-8"?>
+<p:sld xmlns:a="http://schemas.openxmlformats.org/drawingml/2006/main" xmlns:r="http://schemas.openxmlformats.org/officeDocument/2006/relationships" xmlns:p="http://schemas.openxmlformats.org/presentationml/2006/main">
+  <p:cSld>
+    <p:spTree>
+      <p:nvGrpSpPr>
+        <p:cNvPr id="1" name=""/>
+        <p:cNvGrpSpPr/>
+        <p:nvPr/>
+      </p:nvGrpSpPr>
+      <p:grpSpPr>
+        <a:xfrm>
+          <a:off x="0" y="0"/>
+          <a:ext cx="0" cy="0"/>
+          <a:chOff x="0" y="0"/>
+          <a:chExt cx="0" cy="0"/>
+        </a:xfrm>
+      </p:grpSpPr>
+      <p:sp>
+        <p:nvSpPr>
+          <p:cNvPr id="2" name="Title 1"/>
+          <p:cNvSpPr>
+            <a:spLocks noGrp="1"/>
+          </p:cNvSpPr>
+          <p:nvPr>
+            <p:ph type="title"/>
+          </p:nvPr>
+        </p:nvSpPr>
+        <p:spPr/>
+        <p:txBody>
+          <a:bodyPr/>
+          <a:lstStyle/>
+          <a:p>
+            <a:endParaRPr lang="en-US"/>
+          </a:p>
+        </p:txBody>
+      </p:sp>
+      <p:pic>
+        <p:nvPicPr>
+          <p:cNvPr id="4" name="Content Placeholder 3" descr="explosion-1439824632.gif"/>
+          <p:cNvPicPr>
+            <a:picLocks noGrp="1" noChangeAspect="1"/>
+          </p:cNvPicPr>
+          <p:nvPr>
+            <p:ph idx="1"/>
+          </p:nvPr>
+        </p:nvPicPr>
+        <p:blipFill>
+          <a:blip r:embed="rId2">
+            <a:extLst>
+              <a:ext uri="{28A0092B-C50C-407E-A947-70E740481C1C}">
+                <a14:useLocalDpi xmlns:a14="http://schemas.microsoft.com/office/drawing/2010/main" val="0"/>
+              </a:ext>
+            </a:extLst>
+          </a:blip>
+          <a:srcRect l="6003" r="6003"/>
+          <a:stretch>
+            <a:fillRect/>
+          </a:stretch>
+        </p:blipFill>
+        <p:spPr/>
+      </p:pic>
+    </p:spTree>
+    <p:extLst>
+      <p:ext uri="{BB962C8B-B14F-4D97-AF65-F5344CB8AC3E}">
+        <p14:creationId xmlns:p14="http://schemas.microsoft.com/office/powerpoint/2010/main" val="2795068018"/>
+      </p:ext>
+    </p:extLst>
+  </p:cSld>
+  <p:clrMapOvr>
+    <a:masterClrMapping/>
+  </p:clrMapOvr>
+  <p:timing>
+    <p:tnLst>
+      <p:par>
+        <p:cTn xmlns:p14="http://schemas.microsoft.com/office/powerpoint/2010/main" id="1" dur="indefinite" restart="never" nodeType="tmRoot"/>
       </p:par>
     </p:tnLst>
   </p:timing>
@@ -7587,7 +7694,7 @@
     </a:clrScheme>
     <a:fontScheme name="Facet">
       <a:majorFont>
-        <a:latin typeface="Trebuchet MS" panose="020B0603020202020204"/>
+        <a:latin typeface="Trebuchet MS"/>
         <a:ea typeface=""/>
         <a:cs typeface=""/>
         <a:font script="Jpan" typeface="メイリオ"/>
@@ -7622,7 +7729,7 @@
         <a:font script="Geor" typeface="Sylfaen"/>
       </a:majorFont>
       <a:minorFont>
-        <a:latin typeface="Trebuchet MS" panose="020B0603020202020204"/>
+        <a:latin typeface="Trebuchet MS"/>
         <a:ea typeface=""/>
         <a:cs typeface=""/>
         <a:font script="Jpan" typeface="メイリオ"/>
@@ -7795,7 +7902,7 @@
   <a:extraClrSchemeLst/>
   <a:extLst>
     <a:ext uri="{05A4C25C-085E-4340-85A3-A5531E510DB2}">
-      <thm15:themeFamily xmlns:thm15="http://schemas.microsoft.com/office/thememl/2012/main" name="Facet" id="{C0C680CD-088A-49FC-A102-D699147F32B2}" vid="{8C59B386-999D-4CB6-B907-9F3997C027CC}"/>
+      <thm15:themeFamily xmlns:thm15="http://schemas.microsoft.com/office/thememl/2012/main" xmlns="" name="Facet" id="{C0C680CD-088A-49FC-A102-D699147F32B2}" vid="{8C59B386-999D-4CB6-B907-9F3997C027CC}"/>
     </a:ext>
   </a:extLst>
 </a:theme>
